--- a/Web-based Chat Application.pptx
+++ b/Web-based Chat Application.pptx
@@ -5986,7 +5986,9 @@
         </p:nvSpPr>
         <p:spPr/>
         <p:txBody>
-          <a:bodyPr/>
+          <a:bodyPr>
+            <a:normAutofit/>
+          </a:bodyPr>
           <a:lstStyle/>
           <a:p>
             <a:r>
@@ -5997,8 +5999,29 @@
           <a:p>
             <a:r>
               <a:rPr lang="en-US" dirty="0" smtClean="0"/>
+              <a:t>User can not chat without being friend.</a:t>
+            </a:r>
+          </a:p>
+          <a:p>
+            <a:r>
+              <a:rPr lang="en-US" dirty="0" smtClean="0"/>
               <a:t>Easily share images and others supported files.</a:t>
             </a:r>
+          </a:p>
+          <a:p>
+            <a:r>
+              <a:rPr lang="en-US"/>
+              <a:t>User can mute any chat and moved into already created </a:t>
+            </a:r>
+            <a:r>
+              <a:rPr lang="en-US"/>
+              <a:t>mute </a:t>
+            </a:r>
+            <a:r>
+              <a:rPr lang="en-US" smtClean="0"/>
+              <a:t>folder.</a:t>
+            </a:r>
+            <a:endParaRPr lang="en-US" dirty="0" smtClean="0"/>
           </a:p>
           <a:p>
             <a:r>
@@ -6029,17 +6052,6 @@
               <a:rPr lang="en-US" dirty="0" smtClean="0"/>
               <a:t>Easy to monitor.</a:t>
             </a:r>
-          </a:p>
-          <a:p>
-            <a:r>
-              <a:rPr lang="en-US" dirty="0"/>
-              <a:t>Makes your business </a:t>
-            </a:r>
-            <a:r>
-              <a:rPr lang="en-US" dirty="0" smtClean="0"/>
-              <a:t>approachable</a:t>
-            </a:r>
-            <a:endParaRPr lang="en-US" dirty="0"/>
           </a:p>
         </p:txBody>
       </p:sp>
